--- a/Documentation - After/TODO Presentation.pptx
+++ b/Documentation - After/TODO Presentation.pptx
@@ -7,16 +7,17 @@
   <p:sldIdLst>
     <p:sldId id="256" r:id="rId2"/>
     <p:sldId id="257" r:id="rId3"/>
-    <p:sldId id="258" r:id="rId4"/>
-    <p:sldId id="259" r:id="rId5"/>
-    <p:sldId id="266" r:id="rId6"/>
-    <p:sldId id="260" r:id="rId7"/>
-    <p:sldId id="261" r:id="rId8"/>
-    <p:sldId id="262" r:id="rId9"/>
-    <p:sldId id="267" r:id="rId10"/>
-    <p:sldId id="263" r:id="rId11"/>
-    <p:sldId id="264" r:id="rId12"/>
-    <p:sldId id="265" r:id="rId13"/>
+    <p:sldId id="268" r:id="rId4"/>
+    <p:sldId id="258" r:id="rId5"/>
+    <p:sldId id="259" r:id="rId6"/>
+    <p:sldId id="266" r:id="rId7"/>
+    <p:sldId id="260" r:id="rId8"/>
+    <p:sldId id="261" r:id="rId9"/>
+    <p:sldId id="262" r:id="rId10"/>
+    <p:sldId id="267" r:id="rId11"/>
+    <p:sldId id="263" r:id="rId12"/>
+    <p:sldId id="264" r:id="rId13"/>
+    <p:sldId id="265" r:id="rId14"/>
   </p:sldIdLst>
   <p:sldSz cx="12192000" cy="6858000"/>
   <p:notesSz cx="6858000" cy="9144000"/>
@@ -129,7 +130,7 @@
     <p1510:client id="{0F206FFB-8283-43FD-8E43-4DA3878312B9}" v="1734" dt="2021-01-21T18:35:41.007"/>
     <p1510:client id="{84103A2A-D73D-D2F2-AE34-43F61A2456FC}" v="12" dt="2021-01-21T18:37:48.933"/>
     <p1510:client id="{A1C1A12E-189B-2474-2449-9D798B2745F3}" v="68" dt="2021-01-22T11:23:25.801"/>
-    <p1510:client id="{C9BE1465-9541-F03C-5942-3D3BA72254EF}" v="506" dt="2021-02-15T19:42:30.226"/>
+    <p1510:client id="{C9BE1465-9541-F03C-5942-3D3BA72254EF}" v="764" dt="2021-02-16T09:13:36.492"/>
   </p1510:revLst>
 </p1510:revInfo>
 </file>
@@ -273,7 +274,7 @@
           <a:p>
             <a:fld id="{48A87A34-81AB-432B-8DAE-1953F412C126}" type="datetimeFigureOut">
               <a:rPr lang="en-US" dirty="0"/>
-              <a:t>2/15/2021</a:t>
+              <a:t>2/16/2021</a:t>
             </a:fld>
             <a:endParaRPr lang="en-US" dirty="0"/>
           </a:p>
@@ -479,7 +480,7 @@
           <a:p>
             <a:fld id="{48A87A34-81AB-432B-8DAE-1953F412C126}" type="datetimeFigureOut">
               <a:rPr lang="en-US" dirty="0"/>
-              <a:t>2/15/2021</a:t>
+              <a:t>2/16/2021</a:t>
             </a:fld>
             <a:endParaRPr lang="en-US" dirty="0"/>
           </a:p>
@@ -689,7 +690,7 @@
           <a:p>
             <a:fld id="{48A87A34-81AB-432B-8DAE-1953F412C126}" type="datetimeFigureOut">
               <a:rPr lang="en-US" dirty="0"/>
-              <a:t>2/15/2021</a:t>
+              <a:t>2/16/2021</a:t>
             </a:fld>
             <a:endParaRPr lang="en-US" dirty="0"/>
           </a:p>
@@ -885,7 +886,7 @@
           <a:p>
             <a:fld id="{48A87A34-81AB-432B-8DAE-1953F412C126}" type="datetimeFigureOut">
               <a:rPr lang="en-US" dirty="0"/>
-              <a:t>2/15/2021</a:t>
+              <a:t>2/16/2021</a:t>
             </a:fld>
             <a:endParaRPr lang="en-US" dirty="0"/>
           </a:p>
@@ -1159,7 +1160,7 @@
           <a:p>
             <a:fld id="{48A87A34-81AB-432B-8DAE-1953F412C126}" type="datetimeFigureOut">
               <a:rPr lang="en-US" dirty="0"/>
-              <a:t>2/15/2021</a:t>
+              <a:t>2/16/2021</a:t>
             </a:fld>
             <a:endParaRPr lang="en-US" dirty="0"/>
           </a:p>
@@ -1422,7 +1423,7 @@
           <a:p>
             <a:fld id="{48A87A34-81AB-432B-8DAE-1953F412C126}" type="datetimeFigureOut">
               <a:rPr lang="en-US" dirty="0"/>
-              <a:t>2/15/2021</a:t>
+              <a:t>2/16/2021</a:t>
             </a:fld>
             <a:endParaRPr lang="en-US" dirty="0"/>
           </a:p>
@@ -1833,7 +1834,7 @@
           <a:p>
             <a:fld id="{48A87A34-81AB-432B-8DAE-1953F412C126}" type="datetimeFigureOut">
               <a:rPr lang="en-US" dirty="0"/>
-              <a:t>2/15/2021</a:t>
+              <a:t>2/16/2021</a:t>
             </a:fld>
             <a:endParaRPr lang="en-US" dirty="0"/>
           </a:p>
@@ -1977,7 +1978,7 @@
           <a:p>
             <a:fld id="{48A87A34-81AB-432B-8DAE-1953F412C126}" type="datetimeFigureOut">
               <a:rPr lang="en-US" dirty="0"/>
-              <a:t>2/15/2021</a:t>
+              <a:t>2/16/2021</a:t>
             </a:fld>
             <a:endParaRPr lang="en-US" dirty="0"/>
           </a:p>
@@ -2098,7 +2099,7 @@
           <a:p>
             <a:fld id="{48A87A34-81AB-432B-8DAE-1953F412C126}" type="datetimeFigureOut">
               <a:rPr lang="en-US" dirty="0"/>
-              <a:t>2/15/2021</a:t>
+              <a:t>2/16/2021</a:t>
             </a:fld>
             <a:endParaRPr lang="en-US" dirty="0"/>
           </a:p>
@@ -2344,7 +2345,7 @@
           <a:p>
             <a:fld id="{48A87A34-81AB-432B-8DAE-1953F412C126}" type="datetimeFigureOut">
               <a:rPr lang="en-US" dirty="0"/>
-              <a:t>2/15/2021</a:t>
+              <a:t>2/16/2021</a:t>
             </a:fld>
             <a:endParaRPr lang="en-US" dirty="0"/>
           </a:p>
@@ -2785,7 +2786,7 @@
             <a:fld id="{48A87A34-81AB-432B-8DAE-1953F412C126}" type="datetimeFigureOut">
               <a:rPr lang="en-US" dirty="0"/>
               <a:pPr/>
-              <a:t>2/15/2021</a:t>
+              <a:t>2/16/2021</a:t>
             </a:fld>
             <a:endParaRPr lang="en-US" dirty="0"/>
           </a:p>
@@ -3107,7 +3108,7 @@
             <a:fld id="{48A87A34-81AB-432B-8DAE-1953F412C126}" type="datetimeFigureOut">
               <a:rPr lang="en-US" dirty="0"/>
               <a:pPr/>
-              <a:t>2/15/2021</a:t>
+              <a:t>2/16/2021</a:t>
             </a:fld>
             <a:endParaRPr lang="en-US" dirty="0"/>
           </a:p>
@@ -3684,7 +3685,7 @@
           <p:cNvPr id="2" name="Title 1">
             <a:extLst>
               <a:ext uri="{FF2B5EF4-FFF2-40B4-BE49-F238E27FC236}">
-                <a16:creationId xmlns:a16="http://schemas.microsoft.com/office/drawing/2014/main" id="{6FA207C1-17BC-42C1-AA6E-B66D565F5983}"/>
+                <a16:creationId xmlns:a16="http://schemas.microsoft.com/office/drawing/2014/main" id="{02DF5218-9F09-4B36-B13B-D311B6EB46BB}"/>
               </a:ext>
             </a:extLst>
           </p:cNvPr>
@@ -3702,56 +3703,43 @@
           <a:p>
             <a:r>
               <a:rPr lang="en-GB"/>
-              <a:t>SPRINT REVIEW</a:t>
-            </a:r>
-          </a:p>
-        </p:txBody>
-      </p:sp>
-      <p:sp>
-        <p:nvSpPr>
-          <p:cNvPr id="3" name="Content Placeholder 2">
+              <a:t>STATIC ANALYSIS</a:t>
+            </a:r>
+          </a:p>
+        </p:txBody>
+      </p:sp>
+      <p:pic>
+        <p:nvPicPr>
+          <p:cNvPr id="4" name="Picture 4" descr="Graphical user interface, text, application, email&#10;&#10;Description automatically generated">
             <a:extLst>
               <a:ext uri="{FF2B5EF4-FFF2-40B4-BE49-F238E27FC236}">
-                <a16:creationId xmlns:a16="http://schemas.microsoft.com/office/drawing/2014/main" id="{C974ECD8-84FE-4B39-8570-5143F2EF81B4}"/>
+                <a16:creationId xmlns:a16="http://schemas.microsoft.com/office/drawing/2014/main" id="{FAEDEC73-CC4E-450F-98CB-DEA72BCFDECB}"/>
               </a:ext>
             </a:extLst>
           </p:cNvPr>
-          <p:cNvSpPr>
-            <a:spLocks noGrp="1"/>
-          </p:cNvSpPr>
+          <p:cNvPicPr>
+            <a:picLocks noGrp="1" noChangeAspect="1"/>
+          </p:cNvPicPr>
           <p:nvPr>
             <p:ph idx="1"/>
           </p:nvPr>
-        </p:nvSpPr>
-        <p:spPr/>
-        <p:txBody>
-          <a:bodyPr/>
-          <a:lstStyle/>
-          <a:p>
-            <a:r>
-              <a:rPr lang="en-GB"/>
-              <a:t>I was able to complete all must have user stories</a:t>
-            </a:r>
-          </a:p>
-          <a:p>
-            <a:r>
-              <a:rPr lang="en-GB"/>
-              <a:t>The user story to sort to dos by the deadline date was left out due to time constraints</a:t>
-            </a:r>
-            <a:endParaRPr lang="en-GB" dirty="0"/>
-          </a:p>
-          <a:p>
-            <a:endParaRPr lang="en-GB" dirty="0"/>
-          </a:p>
-          <a:p>
-            <a:endParaRPr lang="en-GB" dirty="0"/>
-          </a:p>
-        </p:txBody>
-      </p:sp>
+        </p:nvPicPr>
+        <p:blipFill rotWithShape="1">
+          <a:blip r:embed="rId2"/>
+          <a:srcRect l="-194" t="8966"/>
+          <a:stretch/>
+        </p:blipFill>
+        <p:spPr>
+          <a:xfrm>
+            <a:off x="959536" y="1503764"/>
+            <a:ext cx="9706303" cy="4962905"/>
+          </a:xfrm>
+        </p:spPr>
+      </p:pic>
     </p:spTree>
     <p:extLst>
       <p:ext uri="{BB962C8B-B14F-4D97-AF65-F5344CB8AC3E}">
-        <p14:creationId xmlns:p14="http://schemas.microsoft.com/office/powerpoint/2010/main" val="315268264"/>
+        <p14:creationId xmlns:p14="http://schemas.microsoft.com/office/powerpoint/2010/main" val="511431850"/>
       </p:ext>
     </p:extLst>
   </p:cSld>
@@ -3783,6 +3771,105 @@
           <p:cNvPr id="2" name="Title 1">
             <a:extLst>
               <a:ext uri="{FF2B5EF4-FFF2-40B4-BE49-F238E27FC236}">
+                <a16:creationId xmlns:a16="http://schemas.microsoft.com/office/drawing/2014/main" id="{6FA207C1-17BC-42C1-AA6E-B66D565F5983}"/>
+              </a:ext>
+            </a:extLst>
+          </p:cNvPr>
+          <p:cNvSpPr>
+            <a:spLocks noGrp="1"/>
+          </p:cNvSpPr>
+          <p:nvPr>
+            <p:ph type="title"/>
+          </p:nvPr>
+        </p:nvSpPr>
+        <p:spPr/>
+        <p:txBody>
+          <a:bodyPr/>
+          <a:lstStyle/>
+          <a:p>
+            <a:r>
+              <a:rPr lang="en-GB"/>
+              <a:t>SPRINT REVIEW</a:t>
+            </a:r>
+          </a:p>
+        </p:txBody>
+      </p:sp>
+      <p:sp>
+        <p:nvSpPr>
+          <p:cNvPr id="3" name="Content Placeholder 2">
+            <a:extLst>
+              <a:ext uri="{FF2B5EF4-FFF2-40B4-BE49-F238E27FC236}">
+                <a16:creationId xmlns:a16="http://schemas.microsoft.com/office/drawing/2014/main" id="{C974ECD8-84FE-4B39-8570-5143F2EF81B4}"/>
+              </a:ext>
+            </a:extLst>
+          </p:cNvPr>
+          <p:cNvSpPr>
+            <a:spLocks noGrp="1"/>
+          </p:cNvSpPr>
+          <p:nvPr>
+            <p:ph idx="1"/>
+          </p:nvPr>
+        </p:nvSpPr>
+        <p:spPr/>
+        <p:txBody>
+          <a:bodyPr/>
+          <a:lstStyle/>
+          <a:p>
+            <a:r>
+              <a:rPr lang="en-GB"/>
+              <a:t>I was able to complete all must have user stories</a:t>
+            </a:r>
+          </a:p>
+          <a:p>
+            <a:r>
+              <a:rPr lang="en-GB"/>
+              <a:t>The user story to sort to dos by the deadline date was left out due to time constraints</a:t>
+            </a:r>
+            <a:endParaRPr lang="en-GB" dirty="0"/>
+          </a:p>
+          <a:p>
+            <a:endParaRPr lang="en-GB" dirty="0"/>
+          </a:p>
+          <a:p>
+            <a:endParaRPr lang="en-GB" dirty="0"/>
+          </a:p>
+        </p:txBody>
+      </p:sp>
+    </p:spTree>
+    <p:extLst>
+      <p:ext uri="{BB962C8B-B14F-4D97-AF65-F5344CB8AC3E}">
+        <p14:creationId xmlns:p14="http://schemas.microsoft.com/office/powerpoint/2010/main" val="315268264"/>
+      </p:ext>
+    </p:extLst>
+  </p:cSld>
+  <p:clrMapOvr>
+    <a:masterClrMapping/>
+  </p:clrMapOvr>
+</p:sld>
+</file>
+
+<file path=ppt/slides/slide12.xml><?xml version="1.0" encoding="utf-8"?>
+<p:sld xmlns:a="http://schemas.openxmlformats.org/drawingml/2006/main" xmlns:r="http://schemas.openxmlformats.org/officeDocument/2006/relationships" xmlns:p="http://schemas.openxmlformats.org/presentationml/2006/main">
+  <p:cSld>
+    <p:spTree>
+      <p:nvGrpSpPr>
+        <p:cNvPr id="1" name=""/>
+        <p:cNvGrpSpPr/>
+        <p:nvPr/>
+      </p:nvGrpSpPr>
+      <p:grpSpPr>
+        <a:xfrm>
+          <a:off x="0" y="0"/>
+          <a:ext cx="0" cy="0"/>
+          <a:chOff x="0" y="0"/>
+          <a:chExt cx="0" cy="0"/>
+        </a:xfrm>
+      </p:grpSpPr>
+      <p:sp>
+        <p:nvSpPr>
+          <p:cNvPr id="2" name="Title 1">
+            <a:extLst>
+              <a:ext uri="{FF2B5EF4-FFF2-40B4-BE49-F238E27FC236}">
                 <a16:creationId xmlns:a16="http://schemas.microsoft.com/office/drawing/2014/main" id="{D8427984-4FEE-4556-A640-1E8809F67539}"/>
               </a:ext>
             </a:extLst>
@@ -3900,7 +3987,7 @@
 </p:sld>
 </file>
 
-<file path=ppt/slides/slide12.xml><?xml version="1.0" encoding="utf-8"?>
+<file path=ppt/slides/slide13.xml><?xml version="1.0" encoding="utf-8"?>
 <p:sld xmlns:a="http://schemas.openxmlformats.org/drawingml/2006/main" xmlns:r="http://schemas.openxmlformats.org/officeDocument/2006/relationships" xmlns:p="http://schemas.openxmlformats.org/presentationml/2006/main">
   <p:cSld>
     <p:spTree>
@@ -4174,6 +4261,159 @@
           <p:cNvPr id="2" name="Title 1">
             <a:extLst>
               <a:ext uri="{FF2B5EF4-FFF2-40B4-BE49-F238E27FC236}">
+                <a16:creationId xmlns:a16="http://schemas.microsoft.com/office/drawing/2014/main" id="{74C712DA-AA45-4677-BF5B-C663E921448B}"/>
+              </a:ext>
+            </a:extLst>
+          </p:cNvPr>
+          <p:cNvSpPr>
+            <a:spLocks noGrp="1"/>
+          </p:cNvSpPr>
+          <p:nvPr>
+            <p:ph type="title"/>
+          </p:nvPr>
+        </p:nvSpPr>
+        <p:spPr/>
+        <p:txBody>
+          <a:bodyPr/>
+          <a:lstStyle/>
+          <a:p>
+            <a:r>
+              <a:rPr lang="en-GB"/>
+              <a:t>SPRING PLAN </a:t>
+            </a:r>
+          </a:p>
+        </p:txBody>
+      </p:sp>
+      <p:sp>
+        <p:nvSpPr>
+          <p:cNvPr id="3" name="Content Placeholder 2">
+            <a:extLst>
+              <a:ext uri="{FF2B5EF4-FFF2-40B4-BE49-F238E27FC236}">
+                <a16:creationId xmlns:a16="http://schemas.microsoft.com/office/drawing/2014/main" id="{593D1178-5B0A-414A-9179-8FA013F30376}"/>
+              </a:ext>
+            </a:extLst>
+          </p:cNvPr>
+          <p:cNvSpPr>
+            <a:spLocks noGrp="1"/>
+          </p:cNvSpPr>
+          <p:nvPr>
+            <p:ph idx="1"/>
+          </p:nvPr>
+        </p:nvSpPr>
+        <p:spPr/>
+        <p:txBody>
+          <a:bodyPr/>
+          <a:lstStyle/>
+          <a:p>
+            <a:r>
+              <a:rPr lang="en-GB"/>
+              <a:t>What needs to be included:</a:t>
+            </a:r>
+            <a:endParaRPr lang="en-US"/>
+          </a:p>
+          <a:p>
+            <a:pPr lvl="1"/>
+            <a:r>
+              <a:rPr lang="en-GB"/>
+              <a:t>CRUD functionality- create, read, update and deleted</a:t>
+            </a:r>
+          </a:p>
+          <a:p>
+            <a:pPr lvl="1"/>
+            <a:r>
+              <a:rPr lang="en-GB"/>
+              <a:t>Working front end </a:t>
+            </a:r>
+          </a:p>
+          <a:p>
+            <a:pPr lvl="1"/>
+            <a:r>
+              <a:rPr lang="en-GB">
+                <a:ea typeface="+mn-lt"/>
+                <a:cs typeface="+mn-lt"/>
+              </a:rPr>
+              <a:t>All the must have and should have user stories</a:t>
+            </a:r>
+            <a:endParaRPr lang="en-GB" dirty="0"/>
+          </a:p>
+          <a:p>
+            <a:r>
+              <a:rPr lang="en-GB"/>
+              <a:t>What I hoped to achieve:</a:t>
+            </a:r>
+            <a:endParaRPr lang="en-GB" dirty="0"/>
+          </a:p>
+          <a:p>
+            <a:pPr lvl="1"/>
+            <a:r>
+              <a:rPr lang="en-GB"/>
+              <a:t>Implementation of the could have user story</a:t>
+            </a:r>
+            <a:endParaRPr lang="en-GB" dirty="0"/>
+          </a:p>
+          <a:p>
+            <a:pPr lvl="1"/>
+            <a:r>
+              <a:rPr lang="en-GB">
+                <a:ea typeface="+mn-lt"/>
+                <a:cs typeface="+mn-lt"/>
+              </a:rPr>
+              <a:t>At least 80% test coverage</a:t>
+            </a:r>
+            <a:endParaRPr lang="en-GB" dirty="0">
+              <a:ea typeface="+mn-lt"/>
+              <a:cs typeface="+mn-lt"/>
+            </a:endParaRPr>
+          </a:p>
+          <a:p>
+            <a:pPr lvl="1"/>
+            <a:endParaRPr lang="en-GB" dirty="0"/>
+          </a:p>
+          <a:p>
+            <a:pPr lvl="1"/>
+            <a:endParaRPr lang="en-GB" dirty="0"/>
+          </a:p>
+          <a:p>
+            <a:pPr lvl="1"/>
+            <a:endParaRPr lang="en-GB" dirty="0"/>
+          </a:p>
+        </p:txBody>
+      </p:sp>
+    </p:spTree>
+    <p:extLst>
+      <p:ext uri="{BB962C8B-B14F-4D97-AF65-F5344CB8AC3E}">
+        <p14:creationId xmlns:p14="http://schemas.microsoft.com/office/powerpoint/2010/main" val="747715333"/>
+      </p:ext>
+    </p:extLst>
+  </p:cSld>
+  <p:clrMapOvr>
+    <a:masterClrMapping/>
+  </p:clrMapOvr>
+</p:sld>
+</file>
+
+<file path=ppt/slides/slide4.xml><?xml version="1.0" encoding="utf-8"?>
+<p:sld xmlns:a="http://schemas.openxmlformats.org/drawingml/2006/main" xmlns:r="http://schemas.openxmlformats.org/officeDocument/2006/relationships" xmlns:p="http://schemas.openxmlformats.org/presentationml/2006/main">
+  <p:cSld>
+    <p:spTree>
+      <p:nvGrpSpPr>
+        <p:cNvPr id="1" name=""/>
+        <p:cNvGrpSpPr/>
+        <p:nvPr/>
+      </p:nvGrpSpPr>
+      <p:grpSpPr>
+        <a:xfrm>
+          <a:off x="0" y="0"/>
+          <a:ext cx="0" cy="0"/>
+          <a:chOff x="0" y="0"/>
+          <a:chExt cx="0" cy="0"/>
+        </a:xfrm>
+      </p:grpSpPr>
+      <p:sp>
+        <p:nvSpPr>
+          <p:cNvPr id="2" name="Title 1">
+            <a:extLst>
+              <a:ext uri="{FF2B5EF4-FFF2-40B4-BE49-F238E27FC236}">
                 <a16:creationId xmlns:a16="http://schemas.microsoft.com/office/drawing/2014/main" id="{93840EB7-C5BD-40A1-BFA6-6E765C363E7F}"/>
               </a:ext>
             </a:extLst>
@@ -4290,7 +4530,7 @@
 </p:sld>
 </file>
 
-<file path=ppt/slides/slide4.xml><?xml version="1.0" encoding="utf-8"?>
+<file path=ppt/slides/slide5.xml><?xml version="1.0" encoding="utf-8"?>
 <p:sld xmlns:a="http://schemas.openxmlformats.org/drawingml/2006/main" xmlns:r="http://schemas.openxmlformats.org/officeDocument/2006/relationships" xmlns:p="http://schemas.openxmlformats.org/presentationml/2006/main">
   <p:cSld>
     <p:spTree>
@@ -4476,7 +4716,7 @@
 </p:sld>
 </file>
 
-<file path=ppt/slides/slide5.xml><?xml version="1.0" encoding="utf-8"?>
+<file path=ppt/slides/slide6.xml><?xml version="1.0" encoding="utf-8"?>
 <p:sld xmlns:a="http://schemas.openxmlformats.org/drawingml/2006/main" xmlns:r="http://schemas.openxmlformats.org/officeDocument/2006/relationships" xmlns:p="http://schemas.openxmlformats.org/presentationml/2006/main">
   <p:cSld>
     <p:spTree>
@@ -4563,7 +4803,7 @@
 </p:sld>
 </file>
 
-<file path=ppt/slides/slide6.xml><?xml version="1.0" encoding="utf-8"?>
+<file path=ppt/slides/slide7.xml><?xml version="1.0" encoding="utf-8"?>
 <p:sld xmlns:a="http://schemas.openxmlformats.org/drawingml/2006/main" xmlns:r="http://schemas.openxmlformats.org/officeDocument/2006/relationships" xmlns:p="http://schemas.openxmlformats.org/presentationml/2006/main">
   <p:cSld>
     <p:spTree>
@@ -4712,7 +4952,7 @@
 </p:sld>
 </file>
 
-<file path=ppt/slides/slide7.xml><?xml version="1.0" encoding="utf-8"?>
+<file path=ppt/slides/slide8.xml><?xml version="1.0" encoding="utf-8"?>
 <p:sld xmlns:a="http://schemas.openxmlformats.org/drawingml/2006/main" xmlns:r="http://schemas.openxmlformats.org/officeDocument/2006/relationships" xmlns:p="http://schemas.openxmlformats.org/presentationml/2006/main">
   <p:cSld>
     <p:bg>
@@ -5070,7 +5310,7 @@
 </p:sld>
 </file>
 
-<file path=ppt/slides/slide8.xml><?xml version="1.0" encoding="utf-8"?>
+<file path=ppt/slides/slide9.xml><?xml version="1.0" encoding="utf-8"?>
 <p:sld xmlns:a="http://schemas.openxmlformats.org/drawingml/2006/main" xmlns:r="http://schemas.openxmlformats.org/officeDocument/2006/relationships" xmlns:p="http://schemas.openxmlformats.org/presentationml/2006/main">
   <p:cSld>
     <p:spTree>
@@ -5147,92 +5387,6 @@
     <p:extLst>
       <p:ext uri="{BB962C8B-B14F-4D97-AF65-F5344CB8AC3E}">
         <p14:creationId xmlns:p14="http://schemas.microsoft.com/office/powerpoint/2010/main" val="2604539666"/>
-      </p:ext>
-    </p:extLst>
-  </p:cSld>
-  <p:clrMapOvr>
-    <a:masterClrMapping/>
-  </p:clrMapOvr>
-</p:sld>
-</file>
-
-<file path=ppt/slides/slide9.xml><?xml version="1.0" encoding="utf-8"?>
-<p:sld xmlns:a="http://schemas.openxmlformats.org/drawingml/2006/main" xmlns:r="http://schemas.openxmlformats.org/officeDocument/2006/relationships" xmlns:p="http://schemas.openxmlformats.org/presentationml/2006/main">
-  <p:cSld>
-    <p:spTree>
-      <p:nvGrpSpPr>
-        <p:cNvPr id="1" name=""/>
-        <p:cNvGrpSpPr/>
-        <p:nvPr/>
-      </p:nvGrpSpPr>
-      <p:grpSpPr>
-        <a:xfrm>
-          <a:off x="0" y="0"/>
-          <a:ext cx="0" cy="0"/>
-          <a:chOff x="0" y="0"/>
-          <a:chExt cx="0" cy="0"/>
-        </a:xfrm>
-      </p:grpSpPr>
-      <p:sp>
-        <p:nvSpPr>
-          <p:cNvPr id="2" name="Title 1">
-            <a:extLst>
-              <a:ext uri="{FF2B5EF4-FFF2-40B4-BE49-F238E27FC236}">
-                <a16:creationId xmlns:a16="http://schemas.microsoft.com/office/drawing/2014/main" id="{02DF5218-9F09-4B36-B13B-D311B6EB46BB}"/>
-              </a:ext>
-            </a:extLst>
-          </p:cNvPr>
-          <p:cNvSpPr>
-            <a:spLocks noGrp="1"/>
-          </p:cNvSpPr>
-          <p:nvPr>
-            <p:ph type="title"/>
-          </p:nvPr>
-        </p:nvSpPr>
-        <p:spPr/>
-        <p:txBody>
-          <a:bodyPr/>
-          <a:lstStyle/>
-          <a:p>
-            <a:r>
-              <a:rPr lang="en-GB"/>
-              <a:t>STATIC ANALYSIS</a:t>
-            </a:r>
-          </a:p>
-        </p:txBody>
-      </p:sp>
-      <p:pic>
-        <p:nvPicPr>
-          <p:cNvPr id="4" name="Picture 4" descr="Graphical user interface, text, application, email&#10;&#10;Description automatically generated">
-            <a:extLst>
-              <a:ext uri="{FF2B5EF4-FFF2-40B4-BE49-F238E27FC236}">
-                <a16:creationId xmlns:a16="http://schemas.microsoft.com/office/drawing/2014/main" id="{FAEDEC73-CC4E-450F-98CB-DEA72BCFDECB}"/>
-              </a:ext>
-            </a:extLst>
-          </p:cNvPr>
-          <p:cNvPicPr>
-            <a:picLocks noGrp="1" noChangeAspect="1"/>
-          </p:cNvPicPr>
-          <p:nvPr>
-            <p:ph idx="1"/>
-          </p:nvPr>
-        </p:nvPicPr>
-        <p:blipFill rotWithShape="1">
-          <a:blip r:embed="rId2"/>
-          <a:srcRect l="-194" t="8966"/>
-          <a:stretch/>
-        </p:blipFill>
-        <p:spPr>
-          <a:xfrm>
-            <a:off x="959536" y="1503764"/>
-            <a:ext cx="9706303" cy="4962905"/>
-          </a:xfrm>
-        </p:spPr>
-      </p:pic>
-    </p:spTree>
-    <p:extLst>
-      <p:ext uri="{BB962C8B-B14F-4D97-AF65-F5344CB8AC3E}">
-        <p14:creationId xmlns:p14="http://schemas.microsoft.com/office/powerpoint/2010/main" val="511431850"/>
       </p:ext>
     </p:extLst>
   </p:cSld>
